--- a/React.pptx
+++ b/React.pptx
@@ -2981,7 +2981,7 @@
           <a:p>
             <a:fld id="{E0D59EB2-6D7C-46AD-BAD6-79F11EA4910E}" type="datetimeFigureOut">
               <a:rPr lang="en-US" smtClean="0"/>
-              <a:t>4/13/2020</a:t>
+              <a:t>4/14/2020</a:t>
             </a:fld>
             <a:endParaRPr lang="en-US"/>
           </a:p>
@@ -4640,7 +4640,7 @@
           <a:p>
             <a:fld id="{E62AD063-ADE9-4A05-B39B-E2D6751E8399}" type="datetimeFigureOut">
               <a:rPr lang="en-US" smtClean="0"/>
-              <a:t>4/13/2020</a:t>
+              <a:t>4/14/2020</a:t>
             </a:fld>
             <a:endParaRPr lang="en-US"/>
           </a:p>
@@ -4810,7 +4810,7 @@
           <a:p>
             <a:fld id="{E62AD063-ADE9-4A05-B39B-E2D6751E8399}" type="datetimeFigureOut">
               <a:rPr lang="en-US" smtClean="0"/>
-              <a:t>4/13/2020</a:t>
+              <a:t>4/14/2020</a:t>
             </a:fld>
             <a:endParaRPr lang="en-US"/>
           </a:p>
@@ -4990,7 +4990,7 @@
           <a:p>
             <a:fld id="{E62AD063-ADE9-4A05-B39B-E2D6751E8399}" type="datetimeFigureOut">
               <a:rPr lang="en-US" smtClean="0"/>
-              <a:t>4/13/2020</a:t>
+              <a:t>4/14/2020</a:t>
             </a:fld>
             <a:endParaRPr lang="en-US"/>
           </a:p>
@@ -5160,7 +5160,7 @@
           <a:p>
             <a:fld id="{E62AD063-ADE9-4A05-B39B-E2D6751E8399}" type="datetimeFigureOut">
               <a:rPr lang="en-US" smtClean="0"/>
-              <a:t>4/13/2020</a:t>
+              <a:t>4/14/2020</a:t>
             </a:fld>
             <a:endParaRPr lang="en-US"/>
           </a:p>
@@ -5406,7 +5406,7 @@
           <a:p>
             <a:fld id="{E62AD063-ADE9-4A05-B39B-E2D6751E8399}" type="datetimeFigureOut">
               <a:rPr lang="en-US" smtClean="0"/>
-              <a:t>4/13/2020</a:t>
+              <a:t>4/14/2020</a:t>
             </a:fld>
             <a:endParaRPr lang="en-US"/>
           </a:p>
@@ -5638,7 +5638,7 @@
           <a:p>
             <a:fld id="{E62AD063-ADE9-4A05-B39B-E2D6751E8399}" type="datetimeFigureOut">
               <a:rPr lang="en-US" smtClean="0"/>
-              <a:t>4/13/2020</a:t>
+              <a:t>4/14/2020</a:t>
             </a:fld>
             <a:endParaRPr lang="en-US"/>
           </a:p>
@@ -6005,7 +6005,7 @@
           <a:p>
             <a:fld id="{E62AD063-ADE9-4A05-B39B-E2D6751E8399}" type="datetimeFigureOut">
               <a:rPr lang="en-US" smtClean="0"/>
-              <a:t>4/13/2020</a:t>
+              <a:t>4/14/2020</a:t>
             </a:fld>
             <a:endParaRPr lang="en-US"/>
           </a:p>
@@ -6123,7 +6123,7 @@
           <a:p>
             <a:fld id="{E62AD063-ADE9-4A05-B39B-E2D6751E8399}" type="datetimeFigureOut">
               <a:rPr lang="en-US" smtClean="0"/>
-              <a:t>4/13/2020</a:t>
+              <a:t>4/14/2020</a:t>
             </a:fld>
             <a:endParaRPr lang="en-US"/>
           </a:p>
@@ -6218,7 +6218,7 @@
           <a:p>
             <a:fld id="{E62AD063-ADE9-4A05-B39B-E2D6751E8399}" type="datetimeFigureOut">
               <a:rPr lang="en-US" smtClean="0"/>
-              <a:t>4/13/2020</a:t>
+              <a:t>4/14/2020</a:t>
             </a:fld>
             <a:endParaRPr lang="en-US"/>
           </a:p>
@@ -6495,7 +6495,7 @@
           <a:p>
             <a:fld id="{E62AD063-ADE9-4A05-B39B-E2D6751E8399}" type="datetimeFigureOut">
               <a:rPr lang="en-US" smtClean="0"/>
-              <a:t>4/13/2020</a:t>
+              <a:t>4/14/2020</a:t>
             </a:fld>
             <a:endParaRPr lang="en-US"/>
           </a:p>
@@ -6748,7 +6748,7 @@
           <a:p>
             <a:fld id="{E62AD063-ADE9-4A05-B39B-E2D6751E8399}" type="datetimeFigureOut">
               <a:rPr lang="en-US" smtClean="0"/>
-              <a:t>4/13/2020</a:t>
+              <a:t>4/14/2020</a:t>
             </a:fld>
             <a:endParaRPr lang="en-US"/>
           </a:p>
@@ -6966,7 +6966,7 @@
           <a:p>
             <a:fld id="{E62AD063-ADE9-4A05-B39B-E2D6751E8399}" type="datetimeFigureOut">
               <a:rPr lang="en-US" smtClean="0"/>
-              <a:t>4/13/2020</a:t>
+              <a:t>4/14/2020</a:t>
             </a:fld>
             <a:endParaRPr lang="en-US"/>
           </a:p>
@@ -9721,13 +9721,8 @@
                           <a:pPr algn="ctr"/>
                           <a:r>
                             <a:rPr lang="en-US" dirty="0" smtClean="0"/>
-                            <a:t>(next </a:t>
+                            <a:t>(next Props, next State)</a:t>
                           </a:r>
-                          <a:r>
-                            <a:rPr lang="en-US" dirty="0" smtClean="0"/>
-                            <a:t>Props, next State)</a:t>
-                          </a:r>
-                          <a:endParaRPr lang="en-US" dirty="0" smtClean="0"/>
                         </a:p>
                       </p:txBody>
                     </p:sp>
@@ -11016,7 +11011,7 @@
           <p:nvPr>
             <p:extLst>
               <p:ext uri="{D42A27DB-BD31-4B8C-83A1-F6EECF244321}">
-                <p14:modId xmlns:p14="http://schemas.microsoft.com/office/powerpoint/2010/main" val="134274190"/>
+                <p14:modId xmlns:p14="http://schemas.microsoft.com/office/powerpoint/2010/main" val="168201744"/>
               </p:ext>
             </p:extLst>
           </p:nvPr>
@@ -11245,7 +11240,23 @@
                             <a:schemeClr val="bg1"/>
                           </a:solidFill>
                         </a:rPr>
-                        <a:t> What is React, Why use of React.</a:t>
+                        <a:t> What is React, Why use </a:t>
+                      </a:r>
+                      <a:r>
+                        <a:rPr lang="en-US" baseline="0" dirty="0" smtClean="0">
+                          <a:solidFill>
+                            <a:schemeClr val="bg1"/>
+                          </a:solidFill>
+                        </a:rPr>
+                        <a:t>React</a:t>
+                      </a:r>
+                      <a:r>
+                        <a:rPr lang="en-US" baseline="0" dirty="0" smtClean="0">
+                          <a:solidFill>
+                            <a:schemeClr val="bg1"/>
+                          </a:solidFill>
+                        </a:rPr>
+                        <a:t>.</a:t>
                       </a:r>
                       <a:endParaRPr lang="en-US" dirty="0">
                         <a:solidFill>
@@ -11974,12 +11985,12 @@
                 <a:t>React is a </a:t>
               </a:r>
               <a:r>
-                <a:rPr lang="en-US" sz="3200" dirty="0" smtClean="0">
+                <a:rPr lang="en-US" sz="3200" dirty="0">
                   <a:solidFill>
                     <a:schemeClr val="bg1"/>
                   </a:solidFill>
                 </a:rPr>
-                <a:t>JavaScript </a:t>
+                <a:t>Open source JavaScript </a:t>
               </a:r>
               <a:r>
                 <a:rPr lang="en-US" sz="3200" dirty="0">
@@ -12297,7 +12308,7 @@
           <p:spPr>
             <a:xfrm>
               <a:off x="522514" y="365760"/>
-              <a:ext cx="10371909" cy="5139869"/>
+              <a:ext cx="10371909" cy="6001643"/>
             </a:xfrm>
             <a:prstGeom prst="rect">
               <a:avLst/>
@@ -12342,19 +12353,60 @@
                 <a:buChar char="•"/>
               </a:pPr>
               <a:r>
-                <a:rPr lang="en-US" sz="2800" dirty="0" smtClean="0">
+                <a:rPr lang="en-US" sz="2800" dirty="0">
                   <a:solidFill>
                     <a:schemeClr val="bg1"/>
                   </a:solidFill>
                 </a:rPr>
                 <a:t>Simple and easy to implement.</a:t>
               </a:r>
+              <a:r>
+                <a:rPr lang="en-US" sz="2800" dirty="0"/>
+                <a:t> </a:t>
+              </a:r>
+              <a:r>
+                <a:rPr lang="en-US" sz="2800" dirty="0">
+                  <a:solidFill>
+                    <a:schemeClr val="bg1"/>
+                  </a:solidFill>
+                </a:rPr>
+                <a:t>The component-based approach, well-defined lifecycle, and use of </a:t>
+              </a:r>
+              <a:r>
+                <a:rPr lang="en-US" sz="2800" dirty="0" smtClean="0">
+                  <a:solidFill>
+                    <a:schemeClr val="bg1"/>
+                  </a:solidFill>
+                </a:rPr>
+                <a:t>JSX(</a:t>
+              </a:r>
+              <a:r>
+                <a:rPr lang="en-US" sz="2800" dirty="0" err="1" smtClean="0">
+                  <a:solidFill>
+                    <a:schemeClr val="bg1"/>
+                  </a:solidFill>
+                </a:rPr>
+                <a:t>JavaScript+HTML</a:t>
+              </a:r>
+              <a:r>
+                <a:rPr lang="en-US" sz="2800" dirty="0" smtClean="0">
+                  <a:solidFill>
+                    <a:schemeClr val="bg1"/>
+                  </a:solidFill>
+                </a:rPr>
+                <a:t>) </a:t>
+              </a:r>
+              <a:r>
+                <a:rPr lang="en-US" sz="2800" dirty="0">
+                  <a:solidFill>
+                    <a:schemeClr val="bg1"/>
+                  </a:solidFill>
+                </a:rPr>
+                <a:t>make React very simple to learn and implement.</a:t>
+              </a:r>
             </a:p>
             <a:p>
-              <a:pPr marL="457200" indent="-457200" fontAlgn="base">
-                <a:buFont typeface="Arial" panose="020B0604020202020204" pitchFamily="34" charset="0"/>
-                <a:buChar char="•"/>
-              </a:pPr>
+              <a:pPr fontAlgn="base"/>
               <a:endParaRPr lang="en-US" sz="2800" dirty="0" smtClean="0">
                 <a:solidFill>
                   <a:schemeClr val="bg1"/>
@@ -12591,7 +12643,7 @@
         </p:blipFill>
         <p:spPr bwMode="auto">
           <a:xfrm>
-            <a:off x="-22321" y="13063"/>
+            <a:off x="-22321" y="0"/>
             <a:ext cx="12214319" cy="6858000"/>
           </a:xfrm>
           <a:prstGeom prst="rect">
@@ -12617,10 +12669,10 @@
         </p:nvGrpSpPr>
         <p:grpSpPr>
           <a:xfrm>
-            <a:off x="509451" y="574766"/>
-            <a:ext cx="9836332" cy="6021978"/>
+            <a:off x="509451" y="548640"/>
+            <a:ext cx="9836332" cy="6069138"/>
             <a:chOff x="509451" y="574766"/>
-            <a:chExt cx="9836332" cy="6021978"/>
+            <a:chExt cx="9836332" cy="6069138"/>
           </a:xfrm>
         </p:grpSpPr>
         <p:sp>
@@ -12632,7 +12684,7 @@
           <p:spPr>
             <a:xfrm>
               <a:off x="509451" y="574766"/>
-              <a:ext cx="9836332" cy="3293209"/>
+              <a:ext cx="9836332" cy="3416320"/>
             </a:xfrm>
             <a:prstGeom prst="rect">
               <a:avLst/>
@@ -12647,7 +12699,7 @@
             <a:p>
               <a:pPr fontAlgn="base"/>
               <a:r>
-                <a:rPr lang="en-US" sz="4000" b="1" dirty="0">
+                <a:rPr lang="en-US" sz="2400" b="1" dirty="0">
                   <a:solidFill>
                     <a:schemeClr val="bg1"/>
                   </a:solidFill>
@@ -12655,7 +12707,7 @@
                 <a:t>Why </a:t>
               </a:r>
               <a:r>
-                <a:rPr lang="en-US" sz="4000" b="1" dirty="0" smtClean="0">
+                <a:rPr lang="en-US" sz="2400" b="1" dirty="0" smtClean="0">
                   <a:solidFill>
                     <a:schemeClr val="bg1"/>
                   </a:solidFill>
@@ -12669,7 +12721,7 @@
                 <a:buChar char="•"/>
               </a:pPr>
               <a:r>
-                <a:rPr lang="en-US" sz="2800" dirty="0" smtClean="0">
+                <a:rPr lang="en-US" sz="2400" dirty="0" smtClean="0">
                   <a:solidFill>
                     <a:schemeClr val="bg1"/>
                   </a:solidFill>
@@ -12683,28 +12735,12 @@
                 <a:buChar char="•"/>
               </a:pPr>
               <a:r>
-                <a:rPr lang="en-US" sz="2800" dirty="0" smtClean="0">
+                <a:rPr lang="en-US" sz="2400" dirty="0" smtClean="0">
                   <a:solidFill>
                     <a:schemeClr val="bg1"/>
                   </a:solidFill>
                 </a:rPr>
-                <a:t>Virtual DOM (</a:t>
-              </a:r>
-              <a:r>
-                <a:rPr lang="en-US" sz="2800" dirty="0" err="1" smtClean="0">
-                  <a:solidFill>
-                    <a:schemeClr val="bg1"/>
-                  </a:solidFill>
-                </a:rPr>
-                <a:t>vDOM</a:t>
-              </a:r>
-              <a:r>
-                <a:rPr lang="en-US" sz="2800" dirty="0" smtClean="0">
-                  <a:solidFill>
-                    <a:schemeClr val="bg1"/>
-                  </a:solidFill>
-                </a:rPr>
-                <a:t>), as the name suggests, is not a real DOM but its virtual representation.</a:t>
+                <a:t>Virtual DOM (vDOM), as the name suggests, is not a real DOM but its virtual representation.</a:t>
               </a:r>
             </a:p>
             <a:p>
@@ -12713,29 +12749,80 @@
                 <a:buChar char="•"/>
               </a:pPr>
               <a:r>
-                <a:rPr lang="en-US" sz="2800" dirty="0" smtClean="0">
+                <a:rPr lang="en-US" sz="2400" dirty="0" smtClean="0">
                   <a:solidFill>
                     <a:schemeClr val="bg1"/>
                   </a:solidFill>
                 </a:rPr>
-                <a:t>Whenever any element of a website is modified, a </a:t>
+                <a:t>Whenever any element of a website is modified, a vDOM is updated. The updated VDOM is then compared against a real </a:t>
               </a:r>
               <a:r>
-                <a:rPr lang="en-US" sz="2800" dirty="0" err="1" smtClean="0">
+                <a:rPr lang="en-US" sz="2400" dirty="0" smtClean="0">
                   <a:solidFill>
                     <a:schemeClr val="bg1"/>
                   </a:solidFill>
                 </a:rPr>
-                <a:t>vDOM</a:t>
+                <a:t>DOM.</a:t>
               </a:r>
               <a:r>
-                <a:rPr lang="en-US" sz="2800" dirty="0" smtClean="0">
+                <a:rPr lang="en-US" sz="2400" dirty="0">
                   <a:solidFill>
                     <a:schemeClr val="bg1"/>
                   </a:solidFill>
                 </a:rPr>
-                <a:t> is updated. The updated VDOM is then compared against a real DOM using a reconciliation algorithm from React.</a:t>
+                <a:t> This process is used to calculate the minimal set of changes to be applied to the actual </a:t>
               </a:r>
+              <a:r>
+                <a:rPr lang="en-US" sz="2400" dirty="0" smtClean="0">
+                  <a:solidFill>
+                    <a:schemeClr val="bg1"/>
+                  </a:solidFill>
+                </a:rPr>
+                <a:t>DOM.</a:t>
+              </a:r>
+            </a:p>
+            <a:p>
+              <a:pPr marL="457200" indent="-457200" fontAlgn="base">
+                <a:buFont typeface="Arial" panose="020B0604020202020204" pitchFamily="34" charset="0"/>
+                <a:buChar char="•"/>
+              </a:pPr>
+              <a:r>
+                <a:rPr lang="en-US" sz="2400" dirty="0" smtClean="0">
+                  <a:solidFill>
+                    <a:schemeClr val="bg1"/>
+                  </a:solidFill>
+                </a:rPr>
+                <a:t>Rather </a:t>
+              </a:r>
+              <a:r>
+                <a:rPr lang="en-US" sz="2400" dirty="0">
+                  <a:solidFill>
+                    <a:schemeClr val="bg1"/>
+                  </a:solidFill>
+                </a:rPr>
+                <a:t>than update dozens of elements whenever a change is made, </a:t>
+              </a:r>
+              <a:r>
+                <a:rPr lang="en-US" sz="2400" dirty="0" err="1">
+                  <a:solidFill>
+                    <a:schemeClr val="bg1"/>
+                  </a:solidFill>
+                </a:rPr>
+                <a:t>ReactJS</a:t>
+              </a:r>
+              <a:r>
+                <a:rPr lang="en-US" sz="2400" dirty="0">
+                  <a:solidFill>
+                    <a:schemeClr val="bg1"/>
+                  </a:solidFill>
+                </a:rPr>
+                <a:t> updates only a single element that was just modified</a:t>
+              </a:r>
+              <a:endParaRPr lang="en-US" sz="2400" dirty="0" smtClean="0">
+                <a:solidFill>
+                  <a:schemeClr val="bg1"/>
+                </a:solidFill>
+              </a:endParaRPr>
             </a:p>
           </p:txBody>
         </p:sp>
@@ -12761,7 +12848,7 @@
           </p:blipFill>
           <p:spPr>
             <a:xfrm>
-              <a:off x="2345322" y="3967844"/>
+              <a:off x="2345322" y="4015004"/>
               <a:ext cx="5476875" cy="2628900"/>
             </a:xfrm>
             <a:prstGeom prst="rect">
